--- a/Database Design Chat/Database Design Chat 015 NULL.pptx
+++ b/Database Design Chat/Database Design Chat 015 NULL.pptx
@@ -5821,8 +5821,13 @@
           <a:p>
             <a:r>
               <a:rPr lang="en-US" sz="4800" dirty="0"/>
-              <a:t>Database Design Chat 010</a:t>
-            </a:r>
+              <a:t>Database Design </a:t>
+            </a:r>
+            <a:r>
+              <a:rPr lang="en-US" sz="4800"/>
+              <a:t>Chat 015</a:t>
+            </a:r>
+            <a:endParaRPr lang="en-US" sz="4800" dirty="0"/>
           </a:p>
         </p:txBody>
       </p:sp>

--- a/Database Design Chat/Database Design Chat 015 NULL.pptx
+++ b/Database Design Chat/Database Design Chat 015 NULL.pptx
@@ -11,14 +11,15 @@
     <p:sldId id="572" r:id="rId5"/>
     <p:sldId id="577" r:id="rId6"/>
     <p:sldId id="576" r:id="rId7"/>
-    <p:sldId id="578" r:id="rId8"/>
-    <p:sldId id="580" r:id="rId9"/>
-    <p:sldId id="579" r:id="rId10"/>
-    <p:sldId id="574" r:id="rId11"/>
-    <p:sldId id="581" r:id="rId12"/>
-    <p:sldId id="575" r:id="rId13"/>
-    <p:sldId id="262" r:id="rId14"/>
-    <p:sldId id="550" r:id="rId15"/>
+    <p:sldId id="582" r:id="rId8"/>
+    <p:sldId id="578" r:id="rId9"/>
+    <p:sldId id="580" r:id="rId10"/>
+    <p:sldId id="579" r:id="rId11"/>
+    <p:sldId id="574" r:id="rId12"/>
+    <p:sldId id="581" r:id="rId13"/>
+    <p:sldId id="575" r:id="rId14"/>
+    <p:sldId id="262" r:id="rId15"/>
+    <p:sldId id="550" r:id="rId16"/>
   </p:sldIdLst>
   <p:sldSz cx="12192000" cy="6858000"/>
   <p:notesSz cx="6858000" cy="9144000"/>
@@ -5821,13 +5822,8 @@
           <a:p>
             <a:r>
               <a:rPr lang="en-US" sz="4800" dirty="0"/>
-              <a:t>Database Design </a:t>
-            </a:r>
-            <a:r>
-              <a:rPr lang="en-US" sz="4800"/>
-              <a:t>Chat 015</a:t>
-            </a:r>
-            <a:endParaRPr lang="en-US" sz="4800" dirty="0"/>
+              <a:t>Database Design Chat 015</a:t>
+            </a:r>
           </a:p>
         </p:txBody>
       </p:sp>
@@ -5894,7 +5890,7 @@
           <p:cNvPr id="2" name="Title 1">
             <a:extLst>
               <a:ext uri="{FF2B5EF4-FFF2-40B4-BE49-F238E27FC236}">
-                <a16:creationId xmlns:a16="http://schemas.microsoft.com/office/drawing/2014/main" id="{92B1032D-A61B-E346-9B9E-D017B56A4D07}"/>
+                <a16:creationId xmlns:a16="http://schemas.microsoft.com/office/drawing/2014/main" id="{0BAFC3FB-521D-4182-8448-725B91796AB8}"/>
               </a:ext>
             </a:extLst>
           </p:cNvPr>
@@ -5912,7 +5908,7 @@
           <a:p>
             <a:r>
               <a:rPr lang="en-US" dirty="0"/>
-              <a:t>For example:</a:t>
+              <a:t>If NULL is so bad, why not stop using it?</a:t>
             </a:r>
           </a:p>
         </p:txBody>
@@ -5922,7 +5918,7 @@
           <p:cNvPr id="3" name="Content Placeholder 2">
             <a:extLst>
               <a:ext uri="{FF2B5EF4-FFF2-40B4-BE49-F238E27FC236}">
-                <a16:creationId xmlns:a16="http://schemas.microsoft.com/office/drawing/2014/main" id="{CEA46FF5-A178-4648-9E43-558C17AA1C6C}"/>
+                <a16:creationId xmlns:a16="http://schemas.microsoft.com/office/drawing/2014/main" id="{D3B198BC-F34D-4935-8257-9406E90FCF70}"/>
               </a:ext>
             </a:extLst>
           </p:cNvPr>
@@ -5936,133 +5932,375 @@
         <p:spPr/>
         <p:txBody>
           <a:bodyPr>
-            <a:normAutofit fontScale="92500" lnSpcReduction="10000"/>
+            <a:normAutofit/>
           </a:bodyPr>
           <a:lstStyle/>
           <a:p>
             <a:r>
-              <a:rPr lang="en-US" dirty="0"/>
-              <a:t>CREATE TABLE Person</a:t>
-            </a:r>
-            <a:br>
-              <a:rPr lang="en-US" dirty="0"/>
-            </a:br>
-            <a:r>
-              <a:rPr lang="en-US" dirty="0"/>
-              <a:t>(</a:t>
-            </a:r>
-            <a:br>
-              <a:rPr lang="en-US" dirty="0"/>
-            </a:br>
-            <a:r>
-              <a:rPr lang="en-US" dirty="0"/>
-              <a:t>    </a:t>
-            </a:r>
-            <a:r>
-              <a:rPr lang="en-US" dirty="0" err="1"/>
-              <a:t>PersonId</a:t>
-            </a:r>
-            <a:r>
-              <a:rPr lang="en-US" dirty="0"/>
-              <a:t> int NOT NULL,	</a:t>
-            </a:r>
-            <a:br>
-              <a:rPr lang="en-US" dirty="0"/>
-            </a:br>
-            <a:r>
-              <a:rPr lang="en-US" dirty="0"/>
-              <a:t>    </a:t>
-            </a:r>
-            <a:r>
-              <a:rPr lang="en-US" dirty="0" err="1"/>
-              <a:t>LastName</a:t>
-            </a:r>
-            <a:r>
-              <a:rPr lang="en-US" dirty="0"/>
-              <a:t> </a:t>
-            </a:r>
-            <a:r>
-              <a:rPr lang="en-US" dirty="0" err="1"/>
-              <a:t>nvarchar</a:t>
-            </a:r>
-            <a:r>
-              <a:rPr lang="en-US" dirty="0"/>
-              <a:t>(100) NOT NULL</a:t>
-            </a:r>
-            <a:br>
-              <a:rPr lang="en-US" dirty="0"/>
-            </a:br>
-            <a:r>
-              <a:rPr lang="en-US" dirty="0"/>
-              <a:t>)</a:t>
-            </a:r>
-          </a:p>
-          <a:p>
-            <a:r>
-              <a:rPr lang="en-US" dirty="0"/>
-              <a:t>CREATE TABLE </a:t>
-            </a:r>
-            <a:r>
-              <a:rPr lang="en-US" dirty="0" err="1"/>
-              <a:t>PersonFirstName</a:t>
-            </a:r>
-            <a:br>
-              <a:rPr lang="en-US" dirty="0"/>
-            </a:br>
-            <a:r>
-              <a:rPr lang="en-US" dirty="0"/>
-              <a:t>(</a:t>
-            </a:r>
-            <a:br>
-              <a:rPr lang="en-US" dirty="0"/>
-            </a:br>
-            <a:r>
-              <a:rPr lang="en-US" dirty="0"/>
-              <a:t>	</a:t>
-            </a:r>
-            <a:r>
-              <a:rPr lang="en-US" dirty="0" err="1"/>
-              <a:t>PersonId</a:t>
-            </a:r>
-            <a:r>
-              <a:rPr lang="en-US" dirty="0"/>
-              <a:t> int NOT NULL, --FK to Person</a:t>
-            </a:r>
-            <a:br>
-              <a:rPr lang="en-US" dirty="0"/>
-            </a:br>
-            <a:r>
-              <a:rPr lang="en-US" dirty="0"/>
-              <a:t>  FirstName </a:t>
-            </a:r>
-            <a:r>
-              <a:rPr lang="en-US" dirty="0" err="1"/>
-              <a:t>nvarchar</a:t>
-            </a:r>
-            <a:r>
-              <a:rPr lang="en-US" dirty="0"/>
-              <a:t>(100) NOT NULL</a:t>
-            </a:r>
-            <a:br>
-              <a:rPr lang="en-US" dirty="0"/>
-            </a:br>
-            <a:r>
-              <a:rPr lang="en-US" dirty="0"/>
-              <a:t>)</a:t>
-            </a:r>
+              <a:rPr lang="en-US" sz="2000" dirty="0"/>
+              <a:t>Because the alternative suck.</a:t>
+            </a:r>
+          </a:p>
+          <a:p>
+            <a:r>
+              <a:rPr lang="en-US" sz="2000" dirty="0"/>
+              <a:t>Any standard value you replace for NULL could be in the domain of correct answers. </a:t>
+            </a:r>
+          </a:p>
+          <a:p>
+            <a:pPr lvl="1"/>
+            <a:r>
+              <a:rPr lang="en-US" sz="1800" dirty="0"/>
+              <a:t>Using a value instead of null is referred to as a surrogate NULL value</a:t>
+            </a:r>
+          </a:p>
+          <a:p>
+            <a:pPr lvl="2"/>
+            <a:r>
+              <a:rPr lang="en-US" sz="1600" dirty="0"/>
+              <a:t>Like -1 for a domain of positive integers for example.</a:t>
+            </a:r>
+          </a:p>
+          <a:p>
+            <a:r>
+              <a:rPr lang="en-US" sz="2000" dirty="0"/>
+              <a:t>Making a new table so that not known values are in their own row is messy</a:t>
+            </a:r>
+          </a:p>
+          <a:p>
+            <a:pPr lvl="1"/>
+            <a:endParaRPr lang="en-US" sz="1800" dirty="0"/>
+          </a:p>
+          <a:p>
+            <a:pPr lvl="1"/>
+            <a:endParaRPr lang="en-US" sz="1800" dirty="0"/>
+          </a:p>
+          <a:p>
+            <a:pPr lvl="1"/>
+            <a:endParaRPr lang="en-US" sz="1800" dirty="0"/>
+          </a:p>
+          <a:p>
+            <a:pPr lvl="1"/>
+            <a:endParaRPr lang="en-US" sz="1800" dirty="0"/>
+          </a:p>
+          <a:p>
+            <a:pPr lvl="1"/>
+            <a:endParaRPr lang="en-US" sz="1800" dirty="0"/>
           </a:p>
         </p:txBody>
       </p:sp>
     </p:spTree>
     <p:extLst>
       <p:ext uri="{BB962C8B-B14F-4D97-AF65-F5344CB8AC3E}">
-        <p14:creationId xmlns:p14="http://schemas.microsoft.com/office/powerpoint/2010/main" val="931064258"/>
+        <p14:creationId xmlns:p14="http://schemas.microsoft.com/office/powerpoint/2010/main" val="3937320439"/>
       </p:ext>
     </p:extLst>
   </p:cSld>
   <p:clrMapOvr>
     <a:masterClrMapping/>
   </p:clrMapOvr>
+  <p:timing>
+    <p:tnLst>
+      <p:par>
+        <p:cTn id="1" dur="indefinite" restart="never" nodeType="tmRoot">
+          <p:childTnLst>
+            <p:seq concurrent="1" nextAc="seek">
+              <p:cTn id="2" dur="indefinite" nodeType="mainSeq">
+                <p:childTnLst>
+                  <p:par>
+                    <p:cTn id="3" fill="hold">
+                      <p:stCondLst>
+                        <p:cond delay="indefinite"/>
+                      </p:stCondLst>
+                      <p:childTnLst>
+                        <p:par>
+                          <p:cTn id="4" fill="hold">
+                            <p:stCondLst>
+                              <p:cond delay="0"/>
+                            </p:stCondLst>
+                            <p:childTnLst>
+                              <p:par>
+                                <p:cTn id="5" presetID="10" presetClass="entr" presetSubtype="0" fill="hold" grpId="0" nodeType="clickEffect">
+                                  <p:stCondLst>
+                                    <p:cond delay="0"/>
+                                  </p:stCondLst>
+                                  <p:childTnLst>
+                                    <p:set>
+                                      <p:cBhvr>
+                                        <p:cTn id="6" dur="1" fill="hold">
+                                          <p:stCondLst>
+                                            <p:cond delay="0"/>
+                                          </p:stCondLst>
+                                        </p:cTn>
+                                        <p:tgtEl>
+                                          <p:spTgt spid="3">
+                                            <p:txEl>
+                                              <p:pRg st="0" end="0"/>
+                                            </p:txEl>
+                                          </p:spTgt>
+                                        </p:tgtEl>
+                                        <p:attrNameLst>
+                                          <p:attrName>style.visibility</p:attrName>
+                                        </p:attrNameLst>
+                                      </p:cBhvr>
+                                      <p:to>
+                                        <p:strVal val="visible"/>
+                                      </p:to>
+                                    </p:set>
+                                    <p:animEffect transition="in" filter="fade">
+                                      <p:cBhvr>
+                                        <p:cTn id="7" dur="500"/>
+                                        <p:tgtEl>
+                                          <p:spTgt spid="3">
+                                            <p:txEl>
+                                              <p:pRg st="0" end="0"/>
+                                            </p:txEl>
+                                          </p:spTgt>
+                                        </p:tgtEl>
+                                      </p:cBhvr>
+                                    </p:animEffect>
+                                  </p:childTnLst>
+                                </p:cTn>
+                              </p:par>
+                            </p:childTnLst>
+                          </p:cTn>
+                        </p:par>
+                      </p:childTnLst>
+                    </p:cTn>
+                  </p:par>
+                  <p:par>
+                    <p:cTn id="8" fill="hold">
+                      <p:stCondLst>
+                        <p:cond delay="indefinite"/>
+                      </p:stCondLst>
+                      <p:childTnLst>
+                        <p:par>
+                          <p:cTn id="9" fill="hold">
+                            <p:stCondLst>
+                              <p:cond delay="0"/>
+                            </p:stCondLst>
+                            <p:childTnLst>
+                              <p:par>
+                                <p:cTn id="10" presetID="10" presetClass="entr" presetSubtype="0" fill="hold" grpId="0" nodeType="clickEffect">
+                                  <p:stCondLst>
+                                    <p:cond delay="0"/>
+                                  </p:stCondLst>
+                                  <p:childTnLst>
+                                    <p:set>
+                                      <p:cBhvr>
+                                        <p:cTn id="11" dur="1" fill="hold">
+                                          <p:stCondLst>
+                                            <p:cond delay="0"/>
+                                          </p:stCondLst>
+                                        </p:cTn>
+                                        <p:tgtEl>
+                                          <p:spTgt spid="3">
+                                            <p:txEl>
+                                              <p:pRg st="1" end="1"/>
+                                            </p:txEl>
+                                          </p:spTgt>
+                                        </p:tgtEl>
+                                        <p:attrNameLst>
+                                          <p:attrName>style.visibility</p:attrName>
+                                        </p:attrNameLst>
+                                      </p:cBhvr>
+                                      <p:to>
+                                        <p:strVal val="visible"/>
+                                      </p:to>
+                                    </p:set>
+                                    <p:animEffect transition="in" filter="fade">
+                                      <p:cBhvr>
+                                        <p:cTn id="12" dur="500"/>
+                                        <p:tgtEl>
+                                          <p:spTgt spid="3">
+                                            <p:txEl>
+                                              <p:pRg st="1" end="1"/>
+                                            </p:txEl>
+                                          </p:spTgt>
+                                        </p:tgtEl>
+                                      </p:cBhvr>
+                                    </p:animEffect>
+                                  </p:childTnLst>
+                                </p:cTn>
+                              </p:par>
+                              <p:par>
+                                <p:cTn id="13" presetID="10" presetClass="entr" presetSubtype="0" fill="hold" grpId="0" nodeType="withEffect">
+                                  <p:stCondLst>
+                                    <p:cond delay="0"/>
+                                  </p:stCondLst>
+                                  <p:childTnLst>
+                                    <p:set>
+                                      <p:cBhvr>
+                                        <p:cTn id="14" dur="1" fill="hold">
+                                          <p:stCondLst>
+                                            <p:cond delay="0"/>
+                                          </p:stCondLst>
+                                        </p:cTn>
+                                        <p:tgtEl>
+                                          <p:spTgt spid="3">
+                                            <p:txEl>
+                                              <p:pRg st="2" end="2"/>
+                                            </p:txEl>
+                                          </p:spTgt>
+                                        </p:tgtEl>
+                                        <p:attrNameLst>
+                                          <p:attrName>style.visibility</p:attrName>
+                                        </p:attrNameLst>
+                                      </p:cBhvr>
+                                      <p:to>
+                                        <p:strVal val="visible"/>
+                                      </p:to>
+                                    </p:set>
+                                    <p:animEffect transition="in" filter="fade">
+                                      <p:cBhvr>
+                                        <p:cTn id="15" dur="500"/>
+                                        <p:tgtEl>
+                                          <p:spTgt spid="3">
+                                            <p:txEl>
+                                              <p:pRg st="2" end="2"/>
+                                            </p:txEl>
+                                          </p:spTgt>
+                                        </p:tgtEl>
+                                      </p:cBhvr>
+                                    </p:animEffect>
+                                  </p:childTnLst>
+                                </p:cTn>
+                              </p:par>
+                              <p:par>
+                                <p:cTn id="16" presetID="10" presetClass="entr" presetSubtype="0" fill="hold" grpId="0" nodeType="withEffect">
+                                  <p:stCondLst>
+                                    <p:cond delay="0"/>
+                                  </p:stCondLst>
+                                  <p:childTnLst>
+                                    <p:set>
+                                      <p:cBhvr>
+                                        <p:cTn id="17" dur="1" fill="hold">
+                                          <p:stCondLst>
+                                            <p:cond delay="0"/>
+                                          </p:stCondLst>
+                                        </p:cTn>
+                                        <p:tgtEl>
+                                          <p:spTgt spid="3">
+                                            <p:txEl>
+                                              <p:pRg st="3" end="3"/>
+                                            </p:txEl>
+                                          </p:spTgt>
+                                        </p:tgtEl>
+                                        <p:attrNameLst>
+                                          <p:attrName>style.visibility</p:attrName>
+                                        </p:attrNameLst>
+                                      </p:cBhvr>
+                                      <p:to>
+                                        <p:strVal val="visible"/>
+                                      </p:to>
+                                    </p:set>
+                                    <p:animEffect transition="in" filter="fade">
+                                      <p:cBhvr>
+                                        <p:cTn id="18" dur="500"/>
+                                        <p:tgtEl>
+                                          <p:spTgt spid="3">
+                                            <p:txEl>
+                                              <p:pRg st="3" end="3"/>
+                                            </p:txEl>
+                                          </p:spTgt>
+                                        </p:tgtEl>
+                                      </p:cBhvr>
+                                    </p:animEffect>
+                                  </p:childTnLst>
+                                </p:cTn>
+                              </p:par>
+                            </p:childTnLst>
+                          </p:cTn>
+                        </p:par>
+                      </p:childTnLst>
+                    </p:cTn>
+                  </p:par>
+                  <p:par>
+                    <p:cTn id="19" fill="hold">
+                      <p:stCondLst>
+                        <p:cond delay="indefinite"/>
+                      </p:stCondLst>
+                      <p:childTnLst>
+                        <p:par>
+                          <p:cTn id="20" fill="hold">
+                            <p:stCondLst>
+                              <p:cond delay="0"/>
+                            </p:stCondLst>
+                            <p:childTnLst>
+                              <p:par>
+                                <p:cTn id="21" presetID="10" presetClass="entr" presetSubtype="0" fill="hold" grpId="0" nodeType="clickEffect">
+                                  <p:stCondLst>
+                                    <p:cond delay="0"/>
+                                  </p:stCondLst>
+                                  <p:childTnLst>
+                                    <p:set>
+                                      <p:cBhvr>
+                                        <p:cTn id="22" dur="1" fill="hold">
+                                          <p:stCondLst>
+                                            <p:cond delay="0"/>
+                                          </p:stCondLst>
+                                        </p:cTn>
+                                        <p:tgtEl>
+                                          <p:spTgt spid="3">
+                                            <p:txEl>
+                                              <p:pRg st="4" end="4"/>
+                                            </p:txEl>
+                                          </p:spTgt>
+                                        </p:tgtEl>
+                                        <p:attrNameLst>
+                                          <p:attrName>style.visibility</p:attrName>
+                                        </p:attrNameLst>
+                                      </p:cBhvr>
+                                      <p:to>
+                                        <p:strVal val="visible"/>
+                                      </p:to>
+                                    </p:set>
+                                    <p:animEffect transition="in" filter="fade">
+                                      <p:cBhvr>
+                                        <p:cTn id="23" dur="500"/>
+                                        <p:tgtEl>
+                                          <p:spTgt spid="3">
+                                            <p:txEl>
+                                              <p:pRg st="4" end="4"/>
+                                            </p:txEl>
+                                          </p:spTgt>
+                                        </p:tgtEl>
+                                      </p:cBhvr>
+                                    </p:animEffect>
+                                  </p:childTnLst>
+                                </p:cTn>
+                              </p:par>
+                            </p:childTnLst>
+                          </p:cTn>
+                        </p:par>
+                      </p:childTnLst>
+                    </p:cTn>
+                  </p:par>
+                </p:childTnLst>
+              </p:cTn>
+              <p:prevCondLst>
+                <p:cond evt="onPrev" delay="0">
+                  <p:tgtEl>
+                    <p:sldTgt/>
+                  </p:tgtEl>
+                </p:cond>
+              </p:prevCondLst>
+              <p:nextCondLst>
+                <p:cond evt="onNext" delay="0">
+                  <p:tgtEl>
+                    <p:sldTgt/>
+                  </p:tgtEl>
+                </p:cond>
+              </p:nextCondLst>
+            </p:seq>
+          </p:childTnLst>
+        </p:cTn>
+      </p:par>
+    </p:tnLst>
+    <p:bldLst>
+      <p:bldP spid="3" grpId="0" build="p"/>
+    </p:bldLst>
+  </p:timing>
 </p:sld>
 </file>
 
@@ -6101,6 +6339,200 @@
         </p:nvSpPr>
         <p:spPr/>
         <p:txBody>
+          <a:bodyPr/>
+          <a:lstStyle/>
+          <a:p>
+            <a:r>
+              <a:rPr lang="en-US" dirty="0"/>
+              <a:t>For example:</a:t>
+            </a:r>
+          </a:p>
+        </p:txBody>
+      </p:sp>
+      <p:sp>
+        <p:nvSpPr>
+          <p:cNvPr id="3" name="Content Placeholder 2">
+            <a:extLst>
+              <a:ext uri="{FF2B5EF4-FFF2-40B4-BE49-F238E27FC236}">
+                <a16:creationId xmlns:a16="http://schemas.microsoft.com/office/drawing/2014/main" id="{CEA46FF5-A178-4648-9E43-558C17AA1C6C}"/>
+              </a:ext>
+            </a:extLst>
+          </p:cNvPr>
+          <p:cNvSpPr>
+            <a:spLocks noGrp="1"/>
+          </p:cNvSpPr>
+          <p:nvPr>
+            <p:ph idx="1"/>
+          </p:nvPr>
+        </p:nvSpPr>
+        <p:spPr/>
+        <p:txBody>
+          <a:bodyPr>
+            <a:normAutofit fontScale="92500" lnSpcReduction="10000"/>
+          </a:bodyPr>
+          <a:lstStyle/>
+          <a:p>
+            <a:r>
+              <a:rPr lang="en-US" dirty="0"/>
+              <a:t>CREATE TABLE Person</a:t>
+            </a:r>
+            <a:br>
+              <a:rPr lang="en-US" dirty="0"/>
+            </a:br>
+            <a:r>
+              <a:rPr lang="en-US" dirty="0"/>
+              <a:t>(</a:t>
+            </a:r>
+            <a:br>
+              <a:rPr lang="en-US" dirty="0"/>
+            </a:br>
+            <a:r>
+              <a:rPr lang="en-US" dirty="0"/>
+              <a:t>    </a:t>
+            </a:r>
+            <a:r>
+              <a:rPr lang="en-US" dirty="0" err="1"/>
+              <a:t>PersonId</a:t>
+            </a:r>
+            <a:r>
+              <a:rPr lang="en-US" dirty="0"/>
+              <a:t> int NOT NULL,	</a:t>
+            </a:r>
+            <a:br>
+              <a:rPr lang="en-US" dirty="0"/>
+            </a:br>
+            <a:r>
+              <a:rPr lang="en-US" dirty="0"/>
+              <a:t>    </a:t>
+            </a:r>
+            <a:r>
+              <a:rPr lang="en-US" dirty="0" err="1"/>
+              <a:t>LastName</a:t>
+            </a:r>
+            <a:r>
+              <a:rPr lang="en-US" dirty="0"/>
+              <a:t> </a:t>
+            </a:r>
+            <a:r>
+              <a:rPr lang="en-US" dirty="0" err="1"/>
+              <a:t>nvarchar</a:t>
+            </a:r>
+            <a:r>
+              <a:rPr lang="en-US" dirty="0"/>
+              <a:t>(100) NOT NULL</a:t>
+            </a:r>
+            <a:br>
+              <a:rPr lang="en-US" dirty="0"/>
+            </a:br>
+            <a:r>
+              <a:rPr lang="en-US" dirty="0"/>
+              <a:t>)</a:t>
+            </a:r>
+          </a:p>
+          <a:p>
+            <a:r>
+              <a:rPr lang="en-US" dirty="0"/>
+              <a:t>CREATE TABLE </a:t>
+            </a:r>
+            <a:r>
+              <a:rPr lang="en-US" dirty="0" err="1"/>
+              <a:t>PersonFirstName</a:t>
+            </a:r>
+            <a:br>
+              <a:rPr lang="en-US" dirty="0"/>
+            </a:br>
+            <a:r>
+              <a:rPr lang="en-US" dirty="0"/>
+              <a:t>(</a:t>
+            </a:r>
+            <a:br>
+              <a:rPr lang="en-US" dirty="0"/>
+            </a:br>
+            <a:r>
+              <a:rPr lang="en-US" dirty="0"/>
+              <a:t>	</a:t>
+            </a:r>
+            <a:r>
+              <a:rPr lang="en-US" dirty="0" err="1"/>
+              <a:t>PersonId</a:t>
+            </a:r>
+            <a:r>
+              <a:rPr lang="en-US" dirty="0"/>
+              <a:t> int NOT NULL, --FK to Person</a:t>
+            </a:r>
+            <a:br>
+              <a:rPr lang="en-US" dirty="0"/>
+            </a:br>
+            <a:r>
+              <a:rPr lang="en-US" dirty="0"/>
+              <a:t>  FirstName </a:t>
+            </a:r>
+            <a:r>
+              <a:rPr lang="en-US" dirty="0" err="1"/>
+              <a:t>nvarchar</a:t>
+            </a:r>
+            <a:r>
+              <a:rPr lang="en-US" dirty="0"/>
+              <a:t>(100) NOT NULL</a:t>
+            </a:r>
+            <a:br>
+              <a:rPr lang="en-US" dirty="0"/>
+            </a:br>
+            <a:r>
+              <a:rPr lang="en-US" dirty="0"/>
+              <a:t>)</a:t>
+            </a:r>
+          </a:p>
+        </p:txBody>
+      </p:sp>
+    </p:spTree>
+    <p:extLst>
+      <p:ext uri="{BB962C8B-B14F-4D97-AF65-F5344CB8AC3E}">
+        <p14:creationId xmlns:p14="http://schemas.microsoft.com/office/powerpoint/2010/main" val="931064258"/>
+      </p:ext>
+    </p:extLst>
+  </p:cSld>
+  <p:clrMapOvr>
+    <a:masterClrMapping/>
+  </p:clrMapOvr>
+</p:sld>
+</file>
+
+<file path=ppt/slides/slide12.xml><?xml version="1.0" encoding="utf-8"?>
+<p:sld xmlns:a="http://schemas.openxmlformats.org/drawingml/2006/main" xmlns:r="http://schemas.openxmlformats.org/officeDocument/2006/relationships" xmlns:p="http://schemas.openxmlformats.org/presentationml/2006/main">
+  <p:cSld>
+    <p:spTree>
+      <p:nvGrpSpPr>
+        <p:cNvPr id="1" name=""/>
+        <p:cNvGrpSpPr/>
+        <p:nvPr/>
+      </p:nvGrpSpPr>
+      <p:grpSpPr>
+        <a:xfrm>
+          <a:off x="0" y="0"/>
+          <a:ext cx="0" cy="0"/>
+          <a:chOff x="0" y="0"/>
+          <a:chExt cx="0" cy="0"/>
+        </a:xfrm>
+      </p:grpSpPr>
+      <p:sp>
+        <p:nvSpPr>
+          <p:cNvPr id="2" name="Title 1">
+            <a:extLst>
+              <a:ext uri="{FF2B5EF4-FFF2-40B4-BE49-F238E27FC236}">
+                <a16:creationId xmlns:a16="http://schemas.microsoft.com/office/drawing/2014/main" id="{92B1032D-A61B-E346-9B9E-D017B56A4D07}"/>
+              </a:ext>
+            </a:extLst>
+          </p:cNvPr>
+          <p:cNvSpPr>
+            <a:spLocks noGrp="1"/>
+          </p:cNvSpPr>
+          <p:nvPr>
+            <p:ph type="title"/>
+          </p:nvPr>
+        </p:nvSpPr>
+        <p:spPr/>
+        <p:txBody>
           <a:bodyPr>
             <a:normAutofit fontScale="90000"/>
           </a:bodyPr>
@@ -6238,7 +6670,7 @@
 </p:sld>
 </file>
 
-<file path=ppt/slides/slide12.xml><?xml version="1.0" encoding="utf-8"?>
+<file path=ppt/slides/slide13.xml><?xml version="1.0" encoding="utf-8"?>
 <p:sld xmlns:a="http://schemas.openxmlformats.org/drawingml/2006/main" xmlns:r="http://schemas.openxmlformats.org/officeDocument/2006/relationships" xmlns:p="http://schemas.openxmlformats.org/presentationml/2006/main">
   <p:cSld>
     <p:spTree>
@@ -6821,7 +7253,7 @@
 </p:sld>
 </file>
 
-<file path=ppt/slides/slide13.xml><?xml version="1.0" encoding="utf-8"?>
+<file path=ppt/slides/slide14.xml><?xml version="1.0" encoding="utf-8"?>
 <p:sld xmlns:a="http://schemas.openxmlformats.org/drawingml/2006/main" xmlns:r="http://schemas.openxmlformats.org/officeDocument/2006/relationships" xmlns:p="http://schemas.openxmlformats.org/presentationml/2006/main">
   <p:cSld>
     <p:spTree>
@@ -7186,7 +7618,7 @@
 </p:sld>
 </file>
 
-<file path=ppt/slides/slide14.xml><?xml version="1.0" encoding="utf-8"?>
+<file path=ppt/slides/slide15.xml><?xml version="1.0" encoding="utf-8"?>
 <p:sld xmlns:a="http://schemas.openxmlformats.org/drawingml/2006/main" xmlns:r="http://schemas.openxmlformats.org/officeDocument/2006/relationships" xmlns:p="http://schemas.openxmlformats.org/presentationml/2006/main">
   <p:cSld>
     <p:spTree>
@@ -8436,7 +8868,7 @@
         <p:spPr/>
         <p:txBody>
           <a:bodyPr>
-            <a:normAutofit fontScale="92500" lnSpcReduction="20000"/>
+            <a:normAutofit fontScale="77500" lnSpcReduction="20000"/>
           </a:bodyPr>
           <a:lstStyle/>
           <a:p>
@@ -8450,6 +8882,13 @@
             <a:r>
               <a:rPr lang="en-US" dirty="0"/>
               <a:t>You can also think of it as “Maybe”, ”Perhaps”, “Undetermined”</a:t>
+            </a:r>
+          </a:p>
+          <a:p>
+            <a:pPr lvl="1"/>
+            <a:r>
+              <a:rPr lang="en-US" dirty="0"/>
+              <a:t>Note that this is unknown as a thing, not as a condition. </a:t>
             </a:r>
           </a:p>
           <a:p>
@@ -8638,33 +9077,15 @@
                                   </p:childTnLst>
                                 </p:cTn>
                               </p:par>
-                            </p:childTnLst>
-                          </p:cTn>
-                        </p:par>
-                      </p:childTnLst>
-                    </p:cTn>
-                  </p:par>
-                  <p:par>
-                    <p:cTn id="13" fill="hold">
-                      <p:stCondLst>
-                        <p:cond delay="indefinite"/>
-                      </p:stCondLst>
-                      <p:childTnLst>
-                        <p:par>
-                          <p:cTn id="14" fill="hold">
-                            <p:stCondLst>
-                              <p:cond delay="0"/>
-                            </p:stCondLst>
-                            <p:childTnLst>
                               <p:par>
-                                <p:cTn id="15" presetID="10" presetClass="entr" presetSubtype="0" fill="hold" grpId="0" nodeType="clickEffect">
+                                <p:cTn id="13" presetID="10" presetClass="entr" presetSubtype="0" fill="hold" grpId="0" nodeType="withEffect">
                                   <p:stCondLst>
                                     <p:cond delay="0"/>
                                   </p:stCondLst>
                                   <p:childTnLst>
                                     <p:set>
                                       <p:cBhvr>
-                                        <p:cTn id="16" dur="1" fill="hold">
+                                        <p:cTn id="14" dur="1" fill="hold">
                                           <p:stCondLst>
                                             <p:cond delay="0"/>
                                           </p:stCondLst>
@@ -8686,7 +9107,7 @@
                                     </p:set>
                                     <p:animEffect transition="in" filter="fade">
                                       <p:cBhvr>
-                                        <p:cTn id="17" dur="500"/>
+                                        <p:cTn id="15" dur="500"/>
                                         <p:tgtEl>
                                           <p:spTgt spid="3">
                                             <p:txEl>
@@ -8706,26 +9127,26 @@
                     </p:cTn>
                   </p:par>
                   <p:par>
-                    <p:cTn id="18" fill="hold">
+                    <p:cTn id="16" fill="hold">
                       <p:stCondLst>
                         <p:cond delay="indefinite"/>
                       </p:stCondLst>
                       <p:childTnLst>
                         <p:par>
-                          <p:cTn id="19" fill="hold">
+                          <p:cTn id="17" fill="hold">
                             <p:stCondLst>
                               <p:cond delay="0"/>
                             </p:stCondLst>
                             <p:childTnLst>
                               <p:par>
-                                <p:cTn id="20" presetID="10" presetClass="entr" presetSubtype="0" fill="hold" grpId="0" nodeType="clickEffect">
+                                <p:cTn id="18" presetID="10" presetClass="entr" presetSubtype="0" fill="hold" grpId="0" nodeType="clickEffect">
                                   <p:stCondLst>
                                     <p:cond delay="0"/>
                                   </p:stCondLst>
                                   <p:childTnLst>
                                     <p:set>
                                       <p:cBhvr>
-                                        <p:cTn id="21" dur="1" fill="hold">
+                                        <p:cTn id="19" dur="1" fill="hold">
                                           <p:stCondLst>
                                             <p:cond delay="0"/>
                                           </p:stCondLst>
@@ -8747,7 +9168,7 @@
                                     </p:set>
                                     <p:animEffect transition="in" filter="fade">
                                       <p:cBhvr>
-                                        <p:cTn id="22" dur="500"/>
+                                        <p:cTn id="20" dur="500"/>
                                         <p:tgtEl>
                                           <p:spTgt spid="3">
                                             <p:txEl>
@@ -8760,8 +9181,26 @@
                                   </p:childTnLst>
                                 </p:cTn>
                               </p:par>
+                            </p:childTnLst>
+                          </p:cTn>
+                        </p:par>
+                      </p:childTnLst>
+                    </p:cTn>
+                  </p:par>
+                  <p:par>
+                    <p:cTn id="21" fill="hold">
+                      <p:stCondLst>
+                        <p:cond delay="indefinite"/>
+                      </p:stCondLst>
+                      <p:childTnLst>
+                        <p:par>
+                          <p:cTn id="22" fill="hold">
+                            <p:stCondLst>
+                              <p:cond delay="0"/>
+                            </p:stCondLst>
+                            <p:childTnLst>
                               <p:par>
-                                <p:cTn id="23" presetID="10" presetClass="entr" presetSubtype="0" fill="hold" grpId="0" nodeType="withEffect">
+                                <p:cTn id="23" presetID="10" presetClass="entr" presetSubtype="0" fill="hold" grpId="0" nodeType="clickEffect">
                                   <p:stCondLst>
                                     <p:cond delay="0"/>
                                   </p:stCondLst>
@@ -8803,33 +9242,15 @@
                                   </p:childTnLst>
                                 </p:cTn>
                               </p:par>
-                            </p:childTnLst>
-                          </p:cTn>
-                        </p:par>
-                      </p:childTnLst>
-                    </p:cTn>
-                  </p:par>
-                  <p:par>
-                    <p:cTn id="26" fill="hold">
-                      <p:stCondLst>
-                        <p:cond delay="indefinite"/>
-                      </p:stCondLst>
-                      <p:childTnLst>
-                        <p:par>
-                          <p:cTn id="27" fill="hold">
-                            <p:stCondLst>
-                              <p:cond delay="0"/>
-                            </p:stCondLst>
-                            <p:childTnLst>
                               <p:par>
-                                <p:cTn id="28" presetID="10" presetClass="entr" presetSubtype="0" fill="hold" grpId="0" nodeType="clickEffect">
+                                <p:cTn id="26" presetID="10" presetClass="entr" presetSubtype="0" fill="hold" grpId="0" nodeType="withEffect">
                                   <p:stCondLst>
                                     <p:cond delay="0"/>
                                   </p:stCondLst>
                                   <p:childTnLst>
                                     <p:set>
                                       <p:cBhvr>
-                                        <p:cTn id="29" dur="1" fill="hold">
+                                        <p:cTn id="27" dur="1" fill="hold">
                                           <p:stCondLst>
                                             <p:cond delay="0"/>
                                           </p:stCondLst>
@@ -8851,7 +9272,7 @@
                                     </p:set>
                                     <p:animEffect transition="in" filter="fade">
                                       <p:cBhvr>
-                                        <p:cTn id="30" dur="500"/>
+                                        <p:cTn id="28" dur="500"/>
                                         <p:tgtEl>
                                           <p:spTgt spid="3">
                                             <p:txEl>
@@ -8864,8 +9285,26 @@
                                   </p:childTnLst>
                                 </p:cTn>
                               </p:par>
+                            </p:childTnLst>
+                          </p:cTn>
+                        </p:par>
+                      </p:childTnLst>
+                    </p:cTn>
+                  </p:par>
+                  <p:par>
+                    <p:cTn id="29" fill="hold">
+                      <p:stCondLst>
+                        <p:cond delay="indefinite"/>
+                      </p:stCondLst>
+                      <p:childTnLst>
+                        <p:par>
+                          <p:cTn id="30" fill="hold">
+                            <p:stCondLst>
+                              <p:cond delay="0"/>
+                            </p:stCondLst>
+                            <p:childTnLst>
                               <p:par>
-                                <p:cTn id="31" presetID="10" presetClass="entr" presetSubtype="0" fill="hold" grpId="0" nodeType="withEffect">
+                                <p:cTn id="31" presetID="10" presetClass="entr" presetSubtype="0" fill="hold" grpId="0" nodeType="clickEffect">
                                   <p:stCondLst>
                                     <p:cond delay="0"/>
                                   </p:stCondLst>
@@ -8907,33 +9346,15 @@
                                   </p:childTnLst>
                                 </p:cTn>
                               </p:par>
-                            </p:childTnLst>
-                          </p:cTn>
-                        </p:par>
-                      </p:childTnLst>
-                    </p:cTn>
-                  </p:par>
-                  <p:par>
-                    <p:cTn id="34" fill="hold">
-                      <p:stCondLst>
-                        <p:cond delay="indefinite"/>
-                      </p:stCondLst>
-                      <p:childTnLst>
-                        <p:par>
-                          <p:cTn id="35" fill="hold">
-                            <p:stCondLst>
-                              <p:cond delay="0"/>
-                            </p:stCondLst>
-                            <p:childTnLst>
                               <p:par>
-                                <p:cTn id="36" presetID="10" presetClass="entr" presetSubtype="0" fill="hold" grpId="0" nodeType="clickEffect">
+                                <p:cTn id="34" presetID="10" presetClass="entr" presetSubtype="0" fill="hold" grpId="0" nodeType="withEffect">
                                   <p:stCondLst>
                                     <p:cond delay="0"/>
                                   </p:stCondLst>
                                   <p:childTnLst>
                                     <p:set>
                                       <p:cBhvr>
-                                        <p:cTn id="37" dur="1" fill="hold">
+                                        <p:cTn id="35" dur="1" fill="hold">
                                           <p:stCondLst>
                                             <p:cond delay="0"/>
                                           </p:stCondLst>
@@ -8955,11 +9376,72 @@
                                     </p:set>
                                     <p:animEffect transition="in" filter="fade">
                                       <p:cBhvr>
-                                        <p:cTn id="38" dur="500"/>
+                                        <p:cTn id="36" dur="500"/>
                                         <p:tgtEl>
                                           <p:spTgt spid="3">
                                             <p:txEl>
                                               <p:pRg st="7" end="7"/>
+                                            </p:txEl>
+                                          </p:spTgt>
+                                        </p:tgtEl>
+                                      </p:cBhvr>
+                                    </p:animEffect>
+                                  </p:childTnLst>
+                                </p:cTn>
+                              </p:par>
+                            </p:childTnLst>
+                          </p:cTn>
+                        </p:par>
+                      </p:childTnLst>
+                    </p:cTn>
+                  </p:par>
+                  <p:par>
+                    <p:cTn id="37" fill="hold">
+                      <p:stCondLst>
+                        <p:cond delay="indefinite"/>
+                      </p:stCondLst>
+                      <p:childTnLst>
+                        <p:par>
+                          <p:cTn id="38" fill="hold">
+                            <p:stCondLst>
+                              <p:cond delay="0"/>
+                            </p:stCondLst>
+                            <p:childTnLst>
+                              <p:par>
+                                <p:cTn id="39" presetID="10" presetClass="entr" presetSubtype="0" fill="hold" grpId="0" nodeType="clickEffect">
+                                  <p:stCondLst>
+                                    <p:cond delay="0"/>
+                                  </p:stCondLst>
+                                  <p:childTnLst>
+                                    <p:set>
+                                      <p:cBhvr>
+                                        <p:cTn id="40" dur="1" fill="hold">
+                                          <p:stCondLst>
+                                            <p:cond delay="0"/>
+                                          </p:stCondLst>
+                                        </p:cTn>
+                                        <p:tgtEl>
+                                          <p:spTgt spid="3">
+                                            <p:txEl>
+                                              <p:pRg st="8" end="8"/>
+                                            </p:txEl>
+                                          </p:spTgt>
+                                        </p:tgtEl>
+                                        <p:attrNameLst>
+                                          <p:attrName>style.visibility</p:attrName>
+                                        </p:attrNameLst>
+                                      </p:cBhvr>
+                                      <p:to>
+                                        <p:strVal val="visible"/>
+                                      </p:to>
+                                    </p:set>
+                                    <p:animEffect transition="in" filter="fade">
+                                      <p:cBhvr>
+                                        <p:cTn id="41" dur="500"/>
+                                        <p:tgtEl>
+                                          <p:spTgt spid="3">
+                                            <p:txEl>
+                                              <p:pRg st="8" end="8"/>
                                             </p:txEl>
                                           </p:spTgt>
                                         </p:tgtEl>
@@ -9563,6 +10045,123 @@
           <p:cNvPr id="2" name="Title 1">
             <a:extLst>
               <a:ext uri="{FF2B5EF4-FFF2-40B4-BE49-F238E27FC236}">
+                <a16:creationId xmlns:a16="http://schemas.microsoft.com/office/drawing/2014/main" id="{BDA414B9-08F6-C17E-ED6E-3D6D404257F5}"/>
+              </a:ext>
+            </a:extLst>
+          </p:cNvPr>
+          <p:cNvSpPr>
+            <a:spLocks noGrp="1"/>
+          </p:cNvSpPr>
+          <p:nvPr>
+            <p:ph type="title"/>
+          </p:nvPr>
+        </p:nvSpPr>
+        <p:spPr/>
+        <p:txBody>
+          <a:bodyPr/>
+          <a:lstStyle/>
+          <a:p>
+            <a:r>
+              <a:rPr lang="en-US" dirty="0"/>
+              <a:t>Math, Concatenation, Etc.</a:t>
+            </a:r>
+          </a:p>
+        </p:txBody>
+      </p:sp>
+      <p:sp>
+        <p:nvSpPr>
+          <p:cNvPr id="3" name="Content Placeholder 2">
+            <a:extLst>
+              <a:ext uri="{FF2B5EF4-FFF2-40B4-BE49-F238E27FC236}">
+                <a16:creationId xmlns:a16="http://schemas.microsoft.com/office/drawing/2014/main" id="{469B255F-9A54-6267-2D10-A25AD09D4B6B}"/>
+              </a:ext>
+            </a:extLst>
+          </p:cNvPr>
+          <p:cNvSpPr>
+            <a:spLocks noGrp="1"/>
+          </p:cNvSpPr>
+          <p:nvPr>
+            <p:ph idx="1"/>
+          </p:nvPr>
+        </p:nvSpPr>
+        <p:spPr/>
+        <p:txBody>
+          <a:bodyPr/>
+          <a:lstStyle/>
+          <a:p>
+            <a:r>
+              <a:rPr lang="en-US" dirty="0"/>
+              <a:t>Since the value is unknown (but still very much a value)</a:t>
+            </a:r>
+          </a:p>
+          <a:p>
+            <a:r>
+              <a:rPr lang="en-US" dirty="0"/>
+              <a:t>$50 + NULL = NULL </a:t>
+            </a:r>
+          </a:p>
+          <a:p>
+            <a:pPr lvl="1"/>
+            <a:r>
+              <a:rPr lang="en-US" dirty="0"/>
+              <a:t>(I started out with an unknown amount and added 50. I still have no idea how much money I have)</a:t>
+            </a:r>
+          </a:p>
+          <a:p>
+            <a:r>
+              <a:rPr lang="en-US" dirty="0"/>
+              <a:t>SELECT ’Value’ + NULL + ‘ is NULL’</a:t>
+            </a:r>
+          </a:p>
+          <a:p>
+            <a:pPr lvl="1"/>
+            <a:r>
+              <a:rPr lang="en-US" dirty="0"/>
+              <a:t>Just outputs a NULL value. Still don’t know what NULL </a:t>
+            </a:r>
+            <a:r>
+              <a:rPr lang="en-US"/>
+              <a:t>is.</a:t>
+            </a:r>
+            <a:endParaRPr lang="en-US" dirty="0"/>
+          </a:p>
+        </p:txBody>
+      </p:sp>
+    </p:spTree>
+    <p:extLst>
+      <p:ext uri="{BB962C8B-B14F-4D97-AF65-F5344CB8AC3E}">
+        <p14:creationId xmlns:p14="http://schemas.microsoft.com/office/powerpoint/2010/main" val="2357573459"/>
+      </p:ext>
+    </p:extLst>
+  </p:cSld>
+  <p:clrMapOvr>
+    <a:masterClrMapping/>
+  </p:clrMapOvr>
+</p:sld>
+</file>
+
+<file path=ppt/slides/slide8.xml><?xml version="1.0" encoding="utf-8"?>
+<p:sld xmlns:a="http://schemas.openxmlformats.org/drawingml/2006/main" xmlns:r="http://schemas.openxmlformats.org/officeDocument/2006/relationships" xmlns:p="http://schemas.openxmlformats.org/presentationml/2006/main">
+  <p:cSld>
+    <p:spTree>
+      <p:nvGrpSpPr>
+        <p:cNvPr id="1" name=""/>
+        <p:cNvGrpSpPr/>
+        <p:nvPr/>
+      </p:nvGrpSpPr>
+      <p:grpSpPr>
+        <a:xfrm>
+          <a:off x="0" y="0"/>
+          <a:ext cx="0" cy="0"/>
+          <a:chOff x="0" y="0"/>
+          <a:chExt cx="0" cy="0"/>
+        </a:xfrm>
+      </p:grpSpPr>
+      <p:sp>
+        <p:nvSpPr>
+          <p:cNvPr id="2" name="Title 1">
+            <a:extLst>
+              <a:ext uri="{FF2B5EF4-FFF2-40B4-BE49-F238E27FC236}">
                 <a16:creationId xmlns:a16="http://schemas.microsoft.com/office/drawing/2014/main" id="{04B6C5AD-21B0-5440-A735-12C990E871AC}"/>
               </a:ext>
             </a:extLst>
@@ -9683,7 +10282,7 @@
 </p:sld>
 </file>
 
-<file path=ppt/slides/slide8.xml><?xml version="1.0" encoding="utf-8"?>
+<file path=ppt/slides/slide9.xml><?xml version="1.0" encoding="utf-8"?>
 <p:sld xmlns:a="http://schemas.openxmlformats.org/drawingml/2006/main" xmlns:r="http://schemas.openxmlformats.org/officeDocument/2006/relationships" xmlns:p="http://schemas.openxmlformats.org/presentationml/2006/main">
   <p:cSld>
     <p:spTree>
@@ -10931,442 +11530,6 @@
 </p:sld>
 </file>
 
-<file path=ppt/slides/slide9.xml><?xml version="1.0" encoding="utf-8"?>
-<p:sld xmlns:a="http://schemas.openxmlformats.org/drawingml/2006/main" xmlns:r="http://schemas.openxmlformats.org/officeDocument/2006/relationships" xmlns:p="http://schemas.openxmlformats.org/presentationml/2006/main">
-  <p:cSld>
-    <p:spTree>
-      <p:nvGrpSpPr>
-        <p:cNvPr id="1" name=""/>
-        <p:cNvGrpSpPr/>
-        <p:nvPr/>
-      </p:nvGrpSpPr>
-      <p:grpSpPr>
-        <a:xfrm>
-          <a:off x="0" y="0"/>
-          <a:ext cx="0" cy="0"/>
-          <a:chOff x="0" y="0"/>
-          <a:chExt cx="0" cy="0"/>
-        </a:xfrm>
-      </p:grpSpPr>
-      <p:sp>
-        <p:nvSpPr>
-          <p:cNvPr id="2" name="Title 1">
-            <a:extLst>
-              <a:ext uri="{FF2B5EF4-FFF2-40B4-BE49-F238E27FC236}">
-                <a16:creationId xmlns:a16="http://schemas.microsoft.com/office/drawing/2014/main" id="{0BAFC3FB-521D-4182-8448-725B91796AB8}"/>
-              </a:ext>
-            </a:extLst>
-          </p:cNvPr>
-          <p:cNvSpPr>
-            <a:spLocks noGrp="1"/>
-          </p:cNvSpPr>
-          <p:nvPr>
-            <p:ph type="title"/>
-          </p:nvPr>
-        </p:nvSpPr>
-        <p:spPr/>
-        <p:txBody>
-          <a:bodyPr/>
-          <a:lstStyle/>
-          <a:p>
-            <a:r>
-              <a:rPr lang="en-US" dirty="0"/>
-              <a:t>If NULL is so bad, why not stop using it?</a:t>
-            </a:r>
-          </a:p>
-        </p:txBody>
-      </p:sp>
-      <p:sp>
-        <p:nvSpPr>
-          <p:cNvPr id="3" name="Content Placeholder 2">
-            <a:extLst>
-              <a:ext uri="{FF2B5EF4-FFF2-40B4-BE49-F238E27FC236}">
-                <a16:creationId xmlns:a16="http://schemas.microsoft.com/office/drawing/2014/main" id="{D3B198BC-F34D-4935-8257-9406E90FCF70}"/>
-              </a:ext>
-            </a:extLst>
-          </p:cNvPr>
-          <p:cNvSpPr>
-            <a:spLocks noGrp="1"/>
-          </p:cNvSpPr>
-          <p:nvPr>
-            <p:ph idx="1"/>
-          </p:nvPr>
-        </p:nvSpPr>
-        <p:spPr/>
-        <p:txBody>
-          <a:bodyPr>
-            <a:normAutofit/>
-          </a:bodyPr>
-          <a:lstStyle/>
-          <a:p>
-            <a:r>
-              <a:rPr lang="en-US" sz="2000" dirty="0"/>
-              <a:t>Because the alternative suck.</a:t>
-            </a:r>
-          </a:p>
-          <a:p>
-            <a:r>
-              <a:rPr lang="en-US" sz="2000" dirty="0"/>
-              <a:t>Any standard value you replace for NULL could be in the domain of correct answers. </a:t>
-            </a:r>
-          </a:p>
-          <a:p>
-            <a:pPr lvl="1"/>
-            <a:r>
-              <a:rPr lang="en-US" sz="1800" dirty="0"/>
-              <a:t>Using a value instead of null is referred to as a surrogate NULL value</a:t>
-            </a:r>
-          </a:p>
-          <a:p>
-            <a:pPr lvl="2"/>
-            <a:r>
-              <a:rPr lang="en-US" sz="1600" dirty="0"/>
-              <a:t>Like -1 for a domain of positive integers for example.</a:t>
-            </a:r>
-          </a:p>
-          <a:p>
-            <a:r>
-              <a:rPr lang="en-US" sz="2000" dirty="0"/>
-              <a:t>Making a new table so that not known values are in their own row is messy</a:t>
-            </a:r>
-          </a:p>
-          <a:p>
-            <a:pPr lvl="1"/>
-            <a:endParaRPr lang="en-US" sz="1800" dirty="0"/>
-          </a:p>
-          <a:p>
-            <a:pPr lvl="1"/>
-            <a:endParaRPr lang="en-US" sz="1800" dirty="0"/>
-          </a:p>
-          <a:p>
-            <a:pPr lvl="1"/>
-            <a:endParaRPr lang="en-US" sz="1800" dirty="0"/>
-          </a:p>
-          <a:p>
-            <a:pPr lvl="1"/>
-            <a:endParaRPr lang="en-US" sz="1800" dirty="0"/>
-          </a:p>
-          <a:p>
-            <a:pPr lvl="1"/>
-            <a:endParaRPr lang="en-US" sz="1800" dirty="0"/>
-          </a:p>
-        </p:txBody>
-      </p:sp>
-    </p:spTree>
-    <p:extLst>
-      <p:ext uri="{BB962C8B-B14F-4D97-AF65-F5344CB8AC3E}">
-        <p14:creationId xmlns:p14="http://schemas.microsoft.com/office/powerpoint/2010/main" val="3937320439"/>
-      </p:ext>
-    </p:extLst>
-  </p:cSld>
-  <p:clrMapOvr>
-    <a:masterClrMapping/>
-  </p:clrMapOvr>
-  <p:timing>
-    <p:tnLst>
-      <p:par>
-        <p:cTn id="1" dur="indefinite" restart="never" nodeType="tmRoot">
-          <p:childTnLst>
-            <p:seq concurrent="1" nextAc="seek">
-              <p:cTn id="2" dur="indefinite" nodeType="mainSeq">
-                <p:childTnLst>
-                  <p:par>
-                    <p:cTn id="3" fill="hold">
-                      <p:stCondLst>
-                        <p:cond delay="indefinite"/>
-                      </p:stCondLst>
-                      <p:childTnLst>
-                        <p:par>
-                          <p:cTn id="4" fill="hold">
-                            <p:stCondLst>
-                              <p:cond delay="0"/>
-                            </p:stCondLst>
-                            <p:childTnLst>
-                              <p:par>
-                                <p:cTn id="5" presetID="10" presetClass="entr" presetSubtype="0" fill="hold" grpId="0" nodeType="clickEffect">
-                                  <p:stCondLst>
-                                    <p:cond delay="0"/>
-                                  </p:stCondLst>
-                                  <p:childTnLst>
-                                    <p:set>
-                                      <p:cBhvr>
-                                        <p:cTn id="6" dur="1" fill="hold">
-                                          <p:stCondLst>
-                                            <p:cond delay="0"/>
-                                          </p:stCondLst>
-                                        </p:cTn>
-                                        <p:tgtEl>
-                                          <p:spTgt spid="3">
-                                            <p:txEl>
-                                              <p:pRg st="0" end="0"/>
-                                            </p:txEl>
-                                          </p:spTgt>
-                                        </p:tgtEl>
-                                        <p:attrNameLst>
-                                          <p:attrName>style.visibility</p:attrName>
-                                        </p:attrNameLst>
-                                      </p:cBhvr>
-                                      <p:to>
-                                        <p:strVal val="visible"/>
-                                      </p:to>
-                                    </p:set>
-                                    <p:animEffect transition="in" filter="fade">
-                                      <p:cBhvr>
-                                        <p:cTn id="7" dur="500"/>
-                                        <p:tgtEl>
-                                          <p:spTgt spid="3">
-                                            <p:txEl>
-                                              <p:pRg st="0" end="0"/>
-                                            </p:txEl>
-                                          </p:spTgt>
-                                        </p:tgtEl>
-                                      </p:cBhvr>
-                                    </p:animEffect>
-                                  </p:childTnLst>
-                                </p:cTn>
-                              </p:par>
-                            </p:childTnLst>
-                          </p:cTn>
-                        </p:par>
-                      </p:childTnLst>
-                    </p:cTn>
-                  </p:par>
-                  <p:par>
-                    <p:cTn id="8" fill="hold">
-                      <p:stCondLst>
-                        <p:cond delay="indefinite"/>
-                      </p:stCondLst>
-                      <p:childTnLst>
-                        <p:par>
-                          <p:cTn id="9" fill="hold">
-                            <p:stCondLst>
-                              <p:cond delay="0"/>
-                            </p:stCondLst>
-                            <p:childTnLst>
-                              <p:par>
-                                <p:cTn id="10" presetID="10" presetClass="entr" presetSubtype="0" fill="hold" grpId="0" nodeType="clickEffect">
-                                  <p:stCondLst>
-                                    <p:cond delay="0"/>
-                                  </p:stCondLst>
-                                  <p:childTnLst>
-                                    <p:set>
-                                      <p:cBhvr>
-                                        <p:cTn id="11" dur="1" fill="hold">
-                                          <p:stCondLst>
-                                            <p:cond delay="0"/>
-                                          </p:stCondLst>
-                                        </p:cTn>
-                                        <p:tgtEl>
-                                          <p:spTgt spid="3">
-                                            <p:txEl>
-                                              <p:pRg st="1" end="1"/>
-                                            </p:txEl>
-                                          </p:spTgt>
-                                        </p:tgtEl>
-                                        <p:attrNameLst>
-                                          <p:attrName>style.visibility</p:attrName>
-                                        </p:attrNameLst>
-                                      </p:cBhvr>
-                                      <p:to>
-                                        <p:strVal val="visible"/>
-                                      </p:to>
-                                    </p:set>
-                                    <p:animEffect transition="in" filter="fade">
-                                      <p:cBhvr>
-                                        <p:cTn id="12" dur="500"/>
-                                        <p:tgtEl>
-                                          <p:spTgt spid="3">
-                                            <p:txEl>
-                                              <p:pRg st="1" end="1"/>
-                                            </p:txEl>
-                                          </p:spTgt>
-                                        </p:tgtEl>
-                                      </p:cBhvr>
-                                    </p:animEffect>
-                                  </p:childTnLst>
-                                </p:cTn>
-                              </p:par>
-                              <p:par>
-                                <p:cTn id="13" presetID="10" presetClass="entr" presetSubtype="0" fill="hold" grpId="0" nodeType="withEffect">
-                                  <p:stCondLst>
-                                    <p:cond delay="0"/>
-                                  </p:stCondLst>
-                                  <p:childTnLst>
-                                    <p:set>
-                                      <p:cBhvr>
-                                        <p:cTn id="14" dur="1" fill="hold">
-                                          <p:stCondLst>
-                                            <p:cond delay="0"/>
-                                          </p:stCondLst>
-                                        </p:cTn>
-                                        <p:tgtEl>
-                                          <p:spTgt spid="3">
-                                            <p:txEl>
-                                              <p:pRg st="2" end="2"/>
-                                            </p:txEl>
-                                          </p:spTgt>
-                                        </p:tgtEl>
-                                        <p:attrNameLst>
-                                          <p:attrName>style.visibility</p:attrName>
-                                        </p:attrNameLst>
-                                      </p:cBhvr>
-                                      <p:to>
-                                        <p:strVal val="visible"/>
-                                      </p:to>
-                                    </p:set>
-                                    <p:animEffect transition="in" filter="fade">
-                                      <p:cBhvr>
-                                        <p:cTn id="15" dur="500"/>
-                                        <p:tgtEl>
-                                          <p:spTgt spid="3">
-                                            <p:txEl>
-                                              <p:pRg st="2" end="2"/>
-                                            </p:txEl>
-                                          </p:spTgt>
-                                        </p:tgtEl>
-                                      </p:cBhvr>
-                                    </p:animEffect>
-                                  </p:childTnLst>
-                                </p:cTn>
-                              </p:par>
-                              <p:par>
-                                <p:cTn id="16" presetID="10" presetClass="entr" presetSubtype="0" fill="hold" grpId="0" nodeType="withEffect">
-                                  <p:stCondLst>
-                                    <p:cond delay="0"/>
-                                  </p:stCondLst>
-                                  <p:childTnLst>
-                                    <p:set>
-                                      <p:cBhvr>
-                                        <p:cTn id="17" dur="1" fill="hold">
-                                          <p:stCondLst>
-                                            <p:cond delay="0"/>
-                                          </p:stCondLst>
-                                        </p:cTn>
-                                        <p:tgtEl>
-                                          <p:spTgt spid="3">
-                                            <p:txEl>
-                                              <p:pRg st="3" end="3"/>
-                                            </p:txEl>
-                                          </p:spTgt>
-                                        </p:tgtEl>
-                                        <p:attrNameLst>
-                                          <p:attrName>style.visibility</p:attrName>
-                                        </p:attrNameLst>
-                                      </p:cBhvr>
-                                      <p:to>
-                                        <p:strVal val="visible"/>
-                                      </p:to>
-                                    </p:set>
-                                    <p:animEffect transition="in" filter="fade">
-                                      <p:cBhvr>
-                                        <p:cTn id="18" dur="500"/>
-                                        <p:tgtEl>
-                                          <p:spTgt spid="3">
-                                            <p:txEl>
-                                              <p:pRg st="3" end="3"/>
-                                            </p:txEl>
-                                          </p:spTgt>
-                                        </p:tgtEl>
-                                      </p:cBhvr>
-                                    </p:animEffect>
-                                  </p:childTnLst>
-                                </p:cTn>
-                              </p:par>
-                            </p:childTnLst>
-                          </p:cTn>
-                        </p:par>
-                      </p:childTnLst>
-                    </p:cTn>
-                  </p:par>
-                  <p:par>
-                    <p:cTn id="19" fill="hold">
-                      <p:stCondLst>
-                        <p:cond delay="indefinite"/>
-                      </p:stCondLst>
-                      <p:childTnLst>
-                        <p:par>
-                          <p:cTn id="20" fill="hold">
-                            <p:stCondLst>
-                              <p:cond delay="0"/>
-                            </p:stCondLst>
-                            <p:childTnLst>
-                              <p:par>
-                                <p:cTn id="21" presetID="10" presetClass="entr" presetSubtype="0" fill="hold" grpId="0" nodeType="clickEffect">
-                                  <p:stCondLst>
-                                    <p:cond delay="0"/>
-                                  </p:stCondLst>
-                                  <p:childTnLst>
-                                    <p:set>
-                                      <p:cBhvr>
-                                        <p:cTn id="22" dur="1" fill="hold">
-                                          <p:stCondLst>
-                                            <p:cond delay="0"/>
-                                          </p:stCondLst>
-                                        </p:cTn>
-                                        <p:tgtEl>
-                                          <p:spTgt spid="3">
-                                            <p:txEl>
-                                              <p:pRg st="4" end="4"/>
-                                            </p:txEl>
-                                          </p:spTgt>
-                                        </p:tgtEl>
-                                        <p:attrNameLst>
-                                          <p:attrName>style.visibility</p:attrName>
-                                        </p:attrNameLst>
-                                      </p:cBhvr>
-                                      <p:to>
-                                        <p:strVal val="visible"/>
-                                      </p:to>
-                                    </p:set>
-                                    <p:animEffect transition="in" filter="fade">
-                                      <p:cBhvr>
-                                        <p:cTn id="23" dur="500"/>
-                                        <p:tgtEl>
-                                          <p:spTgt spid="3">
-                                            <p:txEl>
-                                              <p:pRg st="4" end="4"/>
-                                            </p:txEl>
-                                          </p:spTgt>
-                                        </p:tgtEl>
-                                      </p:cBhvr>
-                                    </p:animEffect>
-                                  </p:childTnLst>
-                                </p:cTn>
-                              </p:par>
-                            </p:childTnLst>
-                          </p:cTn>
-                        </p:par>
-                      </p:childTnLst>
-                    </p:cTn>
-                  </p:par>
-                </p:childTnLst>
-              </p:cTn>
-              <p:prevCondLst>
-                <p:cond evt="onPrev" delay="0">
-                  <p:tgtEl>
-                    <p:sldTgt/>
-                  </p:tgtEl>
-                </p:cond>
-              </p:prevCondLst>
-              <p:nextCondLst>
-                <p:cond evt="onNext" delay="0">
-                  <p:tgtEl>
-                    <p:sldTgt/>
-                  </p:tgtEl>
-                </p:cond>
-              </p:nextCondLst>
-            </p:seq>
-          </p:childTnLst>
-        </p:cTn>
-      </p:par>
-    </p:tnLst>
-    <p:bldLst>
-      <p:bldP spid="3" grpId="0" build="p"/>
-    </p:bldLst>
-  </p:timing>
-</p:sld>
-</file>
-
 <file path=ppt/theme/theme1.xml><?xml version="1.0" encoding="utf-8"?>
 <a:theme xmlns:a="http://schemas.openxmlformats.org/drawingml/2006/main" name="Organic">
   <a:themeElements>

--- a/Database Design Chat/Database Design Chat 015 NULL.pptx
+++ b/Database Design Chat/Database Design Chat 015 NULL.pptx
@@ -457,7 +457,7 @@
             <a:fld id="{B61BEF0D-F0BB-DE4B-95CE-6DB70DBA9567}" type="datetimeFigureOut">
               <a:rPr lang="en-US" dirty="0"/>
               <a:pPr/>
-              <a:t>5/1/22</a:t>
+              <a:t>5/7/22</a:t>
             </a:fld>
             <a:endParaRPr lang="en-US"/>
           </a:p>
@@ -776,7 +776,7 @@
             <a:fld id="{B61BEF0D-F0BB-DE4B-95CE-6DB70DBA9567}" type="datetimeFigureOut">
               <a:rPr lang="en-US" dirty="0"/>
               <a:pPr/>
-              <a:t>5/1/22</a:t>
+              <a:t>5/7/22</a:t>
             </a:fld>
             <a:endParaRPr lang="en-US"/>
           </a:p>
@@ -1020,7 +1020,7 @@
             <a:fld id="{B61BEF0D-F0BB-DE4B-95CE-6DB70DBA9567}" type="datetimeFigureOut">
               <a:rPr lang="en-US" dirty="0"/>
               <a:pPr/>
-              <a:t>5/1/22</a:t>
+              <a:t>5/7/22</a:t>
             </a:fld>
             <a:endParaRPr lang="en-US"/>
           </a:p>
@@ -1355,7 +1355,7 @@
             <a:fld id="{B61BEF0D-F0BB-DE4B-95CE-6DB70DBA9567}" type="datetimeFigureOut">
               <a:rPr lang="en-US" dirty="0"/>
               <a:pPr/>
-              <a:t>5/1/22</a:t>
+              <a:t>5/7/22</a:t>
             </a:fld>
             <a:endParaRPr lang="en-US"/>
           </a:p>
@@ -1698,7 +1698,7 @@
             <a:fld id="{B61BEF0D-F0BB-DE4B-95CE-6DB70DBA9567}" type="datetimeFigureOut">
               <a:rPr lang="en-US" dirty="0"/>
               <a:pPr/>
-              <a:t>5/1/22</a:t>
+              <a:t>5/7/22</a:t>
             </a:fld>
             <a:endParaRPr lang="en-US"/>
           </a:p>
@@ -2068,7 +2068,7 @@
             <a:fld id="{B61BEF0D-F0BB-DE4B-95CE-6DB70DBA9567}" type="datetimeFigureOut">
               <a:rPr lang="en-US" dirty="0"/>
               <a:pPr/>
-              <a:t>5/1/22</a:t>
+              <a:t>5/7/22</a:t>
             </a:fld>
             <a:endParaRPr lang="en-US"/>
           </a:p>
@@ -2534,7 +2534,7 @@
             <a:fld id="{B61BEF0D-F0BB-DE4B-95CE-6DB70DBA9567}" type="datetimeFigureOut">
               <a:rPr lang="en-US" dirty="0"/>
               <a:pPr/>
-              <a:t>5/1/22</a:t>
+              <a:t>5/7/22</a:t>
             </a:fld>
             <a:endParaRPr lang="en-US"/>
           </a:p>
@@ -2734,7 +2734,7 @@
             <a:fld id="{B61BEF0D-F0BB-DE4B-95CE-6DB70DBA9567}" type="datetimeFigureOut">
               <a:rPr lang="en-US" dirty="0"/>
               <a:pPr/>
-              <a:t>5/1/22</a:t>
+              <a:t>5/7/22</a:t>
             </a:fld>
             <a:endParaRPr lang="en-US"/>
           </a:p>
@@ -2940,7 +2940,7 @@
             <a:fld id="{B61BEF0D-F0BB-DE4B-95CE-6DB70DBA9567}" type="datetimeFigureOut">
               <a:rPr lang="en-US" dirty="0"/>
               <a:pPr/>
-              <a:t>5/1/22</a:t>
+              <a:t>5/7/22</a:t>
             </a:fld>
             <a:endParaRPr lang="en-US"/>
           </a:p>
@@ -3166,7 +3166,7 @@
           <a:p>
             <a:fld id="{52647F38-B617-4D2F-AE0A-013F0C4D2C57}" type="datetimeFigureOut">
               <a:rPr lang="en-US" dirty="0"/>
-              <a:t>5/1/22</a:t>
+              <a:t>5/7/22</a:t>
             </a:fld>
             <a:endParaRPr lang="en-US"/>
           </a:p>
@@ -3409,7 +3409,7 @@
             <a:fld id="{B61BEF0D-F0BB-DE4B-95CE-6DB70DBA9567}" type="datetimeFigureOut">
               <a:rPr lang="en-US" dirty="0"/>
               <a:pPr/>
-              <a:t>5/1/22</a:t>
+              <a:t>5/7/22</a:t>
             </a:fld>
             <a:endParaRPr lang="en-US"/>
           </a:p>
@@ -3700,7 +3700,7 @@
           <a:p>
             <a:fld id="{05BFA754-D5C3-4E66-96A6-867B257F58DC}" type="datetimeFigureOut">
               <a:rPr lang="en-US" dirty="0"/>
-              <a:t>5/1/22</a:t>
+              <a:t>5/7/22</a:t>
             </a:fld>
             <a:endParaRPr lang="en-US"/>
           </a:p>
@@ -4087,7 +4087,7 @@
             <a:fld id="{B61BEF0D-F0BB-DE4B-95CE-6DB70DBA9567}" type="datetimeFigureOut">
               <a:rPr lang="en-US" dirty="0"/>
               <a:pPr/>
-              <a:t>5/1/22</a:t>
+              <a:t>5/7/22</a:t>
             </a:fld>
             <a:endParaRPr lang="en-US"/>
           </a:p>
@@ -4232,7 +4232,7 @@
             <a:fld id="{B61BEF0D-F0BB-DE4B-95CE-6DB70DBA9567}" type="datetimeFigureOut">
               <a:rPr lang="en-US" dirty="0"/>
               <a:pPr/>
-              <a:t>5/1/22</a:t>
+              <a:t>5/7/22</a:t>
             </a:fld>
             <a:endParaRPr lang="en-US"/>
           </a:p>
@@ -4355,7 +4355,7 @@
             <a:fld id="{B61BEF0D-F0BB-DE4B-95CE-6DB70DBA9567}" type="datetimeFigureOut">
               <a:rPr lang="en-US" dirty="0"/>
               <a:pPr/>
-              <a:t>5/1/22</a:t>
+              <a:t>5/7/22</a:t>
             </a:fld>
             <a:endParaRPr lang="en-US"/>
           </a:p>
@@ -4605,7 +4605,7 @@
             <a:fld id="{B61BEF0D-F0BB-DE4B-95CE-6DB70DBA9567}" type="datetimeFigureOut">
               <a:rPr lang="en-US" dirty="0"/>
               <a:pPr/>
-              <a:t>5/1/22</a:t>
+              <a:t>5/7/22</a:t>
             </a:fld>
             <a:endParaRPr lang="en-US"/>
           </a:p>
@@ -4915,7 +4915,7 @@
             <a:fld id="{B61BEF0D-F0BB-DE4B-95CE-6DB70DBA9567}" type="datetimeFigureOut">
               <a:rPr lang="en-US" dirty="0"/>
               <a:pPr/>
-              <a:t>5/1/22</a:t>
+              <a:t>5/7/22</a:t>
             </a:fld>
             <a:endParaRPr lang="en-US"/>
           </a:p>
@@ -5261,7 +5261,7 @@
             <a:fld id="{B61BEF0D-F0BB-DE4B-95CE-6DB70DBA9567}" type="datetimeFigureOut">
               <a:rPr lang="en-US" dirty="0"/>
               <a:pPr/>
-              <a:t>5/1/22</a:t>
+              <a:t>5/7/22</a:t>
             </a:fld>
             <a:endParaRPr lang="en-US"/>
           </a:p>
@@ -5936,7 +5936,7 @@
         </p:nvGraphicFramePr>
         <p:xfrm>
           <a:off x="1295402" y="3176409"/>
-          <a:ext cx="2689499" cy="1415796"/>
+          <a:ext cx="2689499" cy="1415988"/>
         </p:xfrm>
         <a:graphic>
           <a:graphicData uri="http://schemas.openxmlformats.org/drawingml/2006/table">
@@ -6264,7 +6264,7 @@
         </p:nvGraphicFramePr>
         <p:xfrm>
           <a:off x="4676556" y="2852940"/>
-          <a:ext cx="5602561" cy="2306320"/>
+          <a:ext cx="5602561" cy="2306640"/>
         </p:xfrm>
         <a:graphic>
           <a:graphicData uri="http://schemas.openxmlformats.org/drawingml/2006/table">
@@ -12494,6 +12494,27 @@
             </a:r>
           </a:p>
           <a:p>
+            <a:r>
+              <a:rPr lang="en-US" dirty="0"/>
+              <a:t>WHERE Column IS NOT NULL;</a:t>
+            </a:r>
+          </a:p>
+          <a:p>
+            <a:pPr lvl="1"/>
+            <a:r>
+              <a:rPr lang="en-US" dirty="0"/>
+              <a:t>FALSE where Column value is NULL, </a:t>
+            </a:r>
+          </a:p>
+          <a:p>
+            <a:pPr lvl="1"/>
+            <a:r>
+              <a:rPr lang="en-US" dirty="0"/>
+              <a:t>TRUE otherwise</a:t>
+            </a:r>
+            <a:br>
+              <a:rPr lang="en-US" dirty="0"/>
+            </a:br>
             <a:endParaRPr lang="en-US" dirty="0"/>
           </a:p>
           <a:p>
@@ -12513,34 +12534,20 @@
             <a:pPr lvl="1"/>
             <a:r>
               <a:rPr lang="en-US" dirty="0"/>
-              <a:t>NULL when value is NULL; </a:t>
+              <a:t>NULL when value is any other value </a:t>
+            </a:r>
+          </a:p>
+          <a:p>
+            <a:r>
+              <a:rPr lang="en-US" dirty="0"/>
+              <a:t>WHERE Column NOT IN (1,2,3,NULL);</a:t>
             </a:r>
           </a:p>
           <a:p>
             <a:pPr lvl="1"/>
             <a:r>
               <a:rPr lang="en-US" dirty="0"/>
-              <a:t>FALSE with any other value</a:t>
-            </a:r>
-          </a:p>
-          <a:p>
-            <a:endParaRPr lang="en-US" dirty="0"/>
-          </a:p>
-          <a:p>
-            <a:r>
-              <a:rPr lang="en-US" dirty="0"/>
-              <a:t>WHERE Column NOT IN (1,2,3,NULL);</a:t>
-            </a:r>
-          </a:p>
-          <a:p>
-            <a:pPr lvl="1"/>
-            <a:r>
-              <a:rPr lang="en-US" dirty="0"/>
-              <a:t>FALSE </a:t>
-            </a:r>
-            <a:r>
-              <a:rPr lang="en-US"/>
-              <a:t>if value is 1,2, 3</a:t>
+              <a:t>FALSE if value = 1,2,3</a:t>
             </a:r>
           </a:p>
           <a:p>
@@ -12787,7 +12794,7 @@
                                         <p:tgtEl>
                                           <p:spTgt spid="3">
                                             <p:txEl>
-                                              <p:pRg st="4" end="4"/>
+                                              <p:pRg st="3" end="3"/>
                                             </p:txEl>
                                           </p:spTgt>
                                         </p:tgtEl>
@@ -12805,7 +12812,93 @@
                                         <p:tgtEl>
                                           <p:spTgt spid="3">
                                             <p:txEl>
+                                              <p:pRg st="3" end="3"/>
+                                            </p:txEl>
+                                          </p:spTgt>
+                                        </p:tgtEl>
+                                      </p:cBhvr>
+                                    </p:animEffect>
+                                  </p:childTnLst>
+                                </p:cTn>
+                              </p:par>
+                              <p:par>
+                                <p:cTn id="23" presetID="10" presetClass="entr" presetSubtype="0" fill="hold" grpId="0" nodeType="withEffect">
+                                  <p:stCondLst>
+                                    <p:cond delay="0"/>
+                                  </p:stCondLst>
+                                  <p:childTnLst>
+                                    <p:set>
+                                      <p:cBhvr>
+                                        <p:cTn id="24" dur="1" fill="hold">
+                                          <p:stCondLst>
+                                            <p:cond delay="0"/>
+                                          </p:stCondLst>
+                                        </p:cTn>
+                                        <p:tgtEl>
+                                          <p:spTgt spid="3">
+                                            <p:txEl>
                                               <p:pRg st="4" end="4"/>
+                                            </p:txEl>
+                                          </p:spTgt>
+                                        </p:tgtEl>
+                                        <p:attrNameLst>
+                                          <p:attrName>style.visibility</p:attrName>
+                                        </p:attrNameLst>
+                                      </p:cBhvr>
+                                      <p:to>
+                                        <p:strVal val="visible"/>
+                                      </p:to>
+                                    </p:set>
+                                    <p:animEffect transition="in" filter="fade">
+                                      <p:cBhvr>
+                                        <p:cTn id="25" dur="500"/>
+                                        <p:tgtEl>
+                                          <p:spTgt spid="3">
+                                            <p:txEl>
+                                              <p:pRg st="4" end="4"/>
+                                            </p:txEl>
+                                          </p:spTgt>
+                                        </p:tgtEl>
+                                      </p:cBhvr>
+                                    </p:animEffect>
+                                  </p:childTnLst>
+                                </p:cTn>
+                              </p:par>
+                              <p:par>
+                                <p:cTn id="26" presetID="10" presetClass="entr" presetSubtype="0" fill="hold" grpId="0" nodeType="withEffect">
+                                  <p:stCondLst>
+                                    <p:cond delay="0"/>
+                                  </p:stCondLst>
+                                  <p:childTnLst>
+                                    <p:set>
+                                      <p:cBhvr>
+                                        <p:cTn id="27" dur="1" fill="hold">
+                                          <p:stCondLst>
+                                            <p:cond delay="0"/>
+                                          </p:stCondLst>
+                                        </p:cTn>
+                                        <p:tgtEl>
+                                          <p:spTgt spid="3">
+                                            <p:txEl>
+                                              <p:pRg st="5" end="5"/>
+                                            </p:txEl>
+                                          </p:spTgt>
+                                        </p:tgtEl>
+                                        <p:attrNameLst>
+                                          <p:attrName>style.visibility</p:attrName>
+                                        </p:attrNameLst>
+                                      </p:cBhvr>
+                                      <p:to>
+                                        <p:strVal val="visible"/>
+                                      </p:to>
+                                    </p:set>
+                                    <p:animEffect transition="in" filter="fade">
+                                      <p:cBhvr>
+                                        <p:cTn id="28" dur="500"/>
+                                        <p:tgtEl>
+                                          <p:spTgt spid="3">
+                                            <p:txEl>
+                                              <p:pRg st="5" end="5"/>
                                             </p:txEl>
                                           </p:spTgt>
                                         </p:tgtEl>
@@ -12821,26 +12914,26 @@
                     </p:cTn>
                   </p:par>
                   <p:par>
-                    <p:cTn id="23" fill="hold">
+                    <p:cTn id="29" fill="hold">
                       <p:stCondLst>
                         <p:cond delay="indefinite"/>
                       </p:stCondLst>
                       <p:childTnLst>
                         <p:par>
-                          <p:cTn id="24" fill="hold">
+                          <p:cTn id="30" fill="hold">
                             <p:stCondLst>
                               <p:cond delay="0"/>
                             </p:stCondLst>
                             <p:childTnLst>
                               <p:par>
-                                <p:cTn id="25" presetID="10" presetClass="entr" presetSubtype="0" fill="hold" grpId="0" nodeType="clickEffect">
+                                <p:cTn id="31" presetID="10" presetClass="entr" presetSubtype="0" fill="hold" grpId="0" nodeType="clickEffect">
                                   <p:stCondLst>
                                     <p:cond delay="0"/>
                                   </p:stCondLst>
                                   <p:childTnLst>
                                     <p:set>
                                       <p:cBhvr>
-                                        <p:cTn id="26" dur="1" fill="hold">
+                                        <p:cTn id="32" dur="1" fill="hold">
                                           <p:stCondLst>
                                             <p:cond delay="0"/>
                                           </p:stCondLst>
@@ -12848,7 +12941,7 @@
                                         <p:tgtEl>
                                           <p:spTgt spid="3">
                                             <p:txEl>
-                                              <p:pRg st="5" end="5"/>
+                                              <p:pRg st="6" end="6"/>
                                             </p:txEl>
                                           </p:spTgt>
                                         </p:tgtEl>
@@ -12862,11 +12955,11 @@
                                     </p:set>
                                     <p:animEffect transition="in" filter="fade">
                                       <p:cBhvr>
-                                        <p:cTn id="27" dur="500"/>
-                                        <p:tgtEl>
-                                          <p:spTgt spid="3">
-                                            <p:txEl>
-                                              <p:pRg st="5" end="5"/>
+                                        <p:cTn id="33" dur="500"/>
+                                        <p:tgtEl>
+                                          <p:spTgt spid="3">
+                                            <p:txEl>
+                                              <p:pRg st="6" end="6"/>
                                             </p:txEl>
                                           </p:spTgt>
                                         </p:tgtEl>
@@ -12882,26 +12975,26 @@
                     </p:cTn>
                   </p:par>
                   <p:par>
-                    <p:cTn id="28" fill="hold">
+                    <p:cTn id="34" fill="hold">
                       <p:stCondLst>
                         <p:cond delay="indefinite"/>
                       </p:stCondLst>
                       <p:childTnLst>
                         <p:par>
-                          <p:cTn id="29" fill="hold">
+                          <p:cTn id="35" fill="hold">
                             <p:stCondLst>
                               <p:cond delay="0"/>
                             </p:stCondLst>
                             <p:childTnLst>
                               <p:par>
-                                <p:cTn id="30" presetID="10" presetClass="entr" presetSubtype="0" fill="hold" grpId="0" nodeType="clickEffect">
+                                <p:cTn id="36" presetID="10" presetClass="entr" presetSubtype="0" fill="hold" grpId="0" nodeType="clickEffect">
                                   <p:stCondLst>
                                     <p:cond delay="0"/>
                                   </p:stCondLst>
                                   <p:childTnLst>
                                     <p:set>
                                       <p:cBhvr>
-                                        <p:cTn id="31" dur="1" fill="hold">
+                                        <p:cTn id="37" dur="1" fill="hold">
                                           <p:stCondLst>
                                             <p:cond delay="0"/>
                                           </p:stCondLst>
@@ -12909,7 +13002,7 @@
                                         <p:tgtEl>
                                           <p:spTgt spid="3">
                                             <p:txEl>
-                                              <p:pRg st="6" end="6"/>
+                                              <p:pRg st="7" end="7"/>
                                             </p:txEl>
                                           </p:spTgt>
                                         </p:tgtEl>
@@ -12923,11 +13016,11 @@
                                     </p:set>
                                     <p:animEffect transition="in" filter="fade">
                                       <p:cBhvr>
-                                        <p:cTn id="32" dur="500"/>
-                                        <p:tgtEl>
-                                          <p:spTgt spid="3">
-                                            <p:txEl>
-                                              <p:pRg st="6" end="6"/>
+                                        <p:cTn id="38" dur="500"/>
+                                        <p:tgtEl>
+                                          <p:spTgt spid="3">
+                                            <p:txEl>
+                                              <p:pRg st="7" end="7"/>
                                             </p:txEl>
                                           </p:spTgt>
                                         </p:tgtEl>
@@ -12943,26 +13036,26 @@
                     </p:cTn>
                   </p:par>
                   <p:par>
-                    <p:cTn id="33" fill="hold">
+                    <p:cTn id="39" fill="hold">
                       <p:stCondLst>
                         <p:cond delay="indefinite"/>
                       </p:stCondLst>
                       <p:childTnLst>
                         <p:par>
-                          <p:cTn id="34" fill="hold">
+                          <p:cTn id="40" fill="hold">
                             <p:stCondLst>
                               <p:cond delay="0"/>
                             </p:stCondLst>
                             <p:childTnLst>
                               <p:par>
-                                <p:cTn id="35" presetID="10" presetClass="entr" presetSubtype="0" fill="hold" grpId="0" nodeType="clickEffect">
+                                <p:cTn id="41" presetID="10" presetClass="entr" presetSubtype="0" fill="hold" grpId="0" nodeType="clickEffect">
                                   <p:stCondLst>
                                     <p:cond delay="0"/>
                                   </p:stCondLst>
                                   <p:childTnLst>
                                     <p:set>
                                       <p:cBhvr>
-                                        <p:cTn id="36" dur="1" fill="hold">
+                                        <p:cTn id="42" dur="1" fill="hold">
                                           <p:stCondLst>
                                             <p:cond delay="0"/>
                                           </p:stCondLst>
@@ -12970,7 +13063,7 @@
                                         <p:tgtEl>
                                           <p:spTgt spid="3">
                                             <p:txEl>
-                                              <p:pRg st="7" end="7"/>
+                                              <p:pRg st="8" end="8"/>
                                             </p:txEl>
                                           </p:spTgt>
                                         </p:tgtEl>
@@ -12984,11 +13077,11 @@
                                     </p:set>
                                     <p:animEffect transition="in" filter="fade">
                                       <p:cBhvr>
-                                        <p:cTn id="37" dur="500"/>
-                                        <p:tgtEl>
-                                          <p:spTgt spid="3">
-                                            <p:txEl>
-                                              <p:pRg st="7" end="7"/>
+                                        <p:cTn id="43" dur="500"/>
+                                        <p:tgtEl>
+                                          <p:spTgt spid="3">
+                                            <p:txEl>
+                                              <p:pRg st="8" end="8"/>
                                             </p:txEl>
                                           </p:spTgt>
                                         </p:tgtEl>
@@ -13004,26 +13097,26 @@
                     </p:cTn>
                   </p:par>
                   <p:par>
-                    <p:cTn id="38" fill="hold">
+                    <p:cTn id="44" fill="hold">
                       <p:stCondLst>
                         <p:cond delay="indefinite"/>
                       </p:stCondLst>
                       <p:childTnLst>
                         <p:par>
-                          <p:cTn id="39" fill="hold">
+                          <p:cTn id="45" fill="hold">
                             <p:stCondLst>
                               <p:cond delay="0"/>
                             </p:stCondLst>
                             <p:childTnLst>
                               <p:par>
-                                <p:cTn id="40" presetID="10" presetClass="entr" presetSubtype="0" fill="hold" grpId="0" nodeType="clickEffect">
+                                <p:cTn id="46" presetID="10" presetClass="entr" presetSubtype="0" fill="hold" grpId="0" nodeType="clickEffect">
                                   <p:stCondLst>
                                     <p:cond delay="0"/>
                                   </p:stCondLst>
                                   <p:childTnLst>
                                     <p:set>
                                       <p:cBhvr>
-                                        <p:cTn id="41" dur="1" fill="hold">
+                                        <p:cTn id="47" dur="1" fill="hold">
                                           <p:stCondLst>
                                             <p:cond delay="0"/>
                                           </p:stCondLst>
@@ -13045,7 +13138,7 @@
                                     </p:set>
                                     <p:animEffect transition="in" filter="fade">
                                       <p:cBhvr>
-                                        <p:cTn id="42" dur="500"/>
+                                        <p:cTn id="48" dur="500"/>
                                         <p:tgtEl>
                                           <p:spTgt spid="3">
                                             <p:txEl>
@@ -13059,14 +13152,14 @@
                                 </p:cTn>
                               </p:par>
                               <p:par>
-                                <p:cTn id="43" presetID="10" presetClass="entr" presetSubtype="0" fill="hold" grpId="0" nodeType="withEffect">
+                                <p:cTn id="49" presetID="10" presetClass="entr" presetSubtype="0" fill="hold" grpId="0" nodeType="withEffect">
                                   <p:stCondLst>
                                     <p:cond delay="0"/>
                                   </p:stCondLst>
                                   <p:childTnLst>
                                     <p:set>
                                       <p:cBhvr>
-                                        <p:cTn id="44" dur="1" fill="hold">
+                                        <p:cTn id="50" dur="1" fill="hold">
                                           <p:stCondLst>
                                             <p:cond delay="0"/>
                                           </p:stCondLst>
@@ -13088,7 +13181,7 @@
                                     </p:set>
                                     <p:animEffect transition="in" filter="fade">
                                       <p:cBhvr>
-                                        <p:cTn id="45" dur="500"/>
+                                        <p:cTn id="51" dur="500"/>
                                         <p:tgtEl>
                                           <p:spTgt spid="3">
                                             <p:txEl>
@@ -13108,26 +13201,26 @@
                     </p:cTn>
                   </p:par>
                   <p:par>
-                    <p:cTn id="46" fill="hold">
+                    <p:cTn id="52" fill="hold">
                       <p:stCondLst>
                         <p:cond delay="indefinite"/>
                       </p:stCondLst>
                       <p:childTnLst>
                         <p:par>
-                          <p:cTn id="47" fill="hold">
+                          <p:cTn id="53" fill="hold">
                             <p:stCondLst>
                               <p:cond delay="0"/>
                             </p:stCondLst>
                             <p:childTnLst>
                               <p:par>
-                                <p:cTn id="48" presetID="10" presetClass="entr" presetSubtype="0" fill="hold" grpId="0" nodeType="clickEffect">
+                                <p:cTn id="54" presetID="10" presetClass="entr" presetSubtype="0" fill="hold" grpId="0" nodeType="clickEffect">
                                   <p:stCondLst>
                                     <p:cond delay="0"/>
                                   </p:stCondLst>
                                   <p:childTnLst>
                                     <p:set>
                                       <p:cBhvr>
-                                        <p:cTn id="49" dur="1" fill="hold">
+                                        <p:cTn id="55" dur="1" fill="hold">
                                           <p:stCondLst>
                                             <p:cond delay="0"/>
                                           </p:stCondLst>
@@ -13149,7 +13242,7 @@
                                     </p:set>
                                     <p:animEffect transition="in" filter="fade">
                                       <p:cBhvr>
-                                        <p:cTn id="50" dur="500"/>
+                                        <p:cTn id="56" dur="500"/>
                                         <p:tgtEl>
                                           <p:spTgt spid="3">
                                             <p:txEl>
